--- a/Budapest py 20181108.pptx
+++ b/Budapest py 20181108.pptx
@@ -6,10 +6,10 @@
     <p:sldMasterId id="2147483696" r:id="rId6"/>
   </p:sldMasterIdLst>
   <p:notesMasterIdLst>
-    <p:notesMasterId r:id="rId31"/>
+    <p:notesMasterId r:id="rId30"/>
   </p:notesMasterIdLst>
   <p:handoutMasterIdLst>
-    <p:handoutMasterId r:id="rId32"/>
+    <p:handoutMasterId r:id="rId31"/>
   </p:handoutMasterIdLst>
   <p:sldIdLst>
     <p:sldId id="290" r:id="rId7"/>
@@ -25,17 +25,16 @@
     <p:sldId id="320" r:id="rId17"/>
     <p:sldId id="294" r:id="rId18"/>
     <p:sldId id="284" r:id="rId19"/>
-    <p:sldId id="283" r:id="rId20"/>
-    <p:sldId id="295" r:id="rId21"/>
-    <p:sldId id="352" r:id="rId22"/>
-    <p:sldId id="310" r:id="rId23"/>
-    <p:sldId id="331" r:id="rId24"/>
-    <p:sldId id="266" r:id="rId25"/>
-    <p:sldId id="269" r:id="rId26"/>
-    <p:sldId id="353" r:id="rId27"/>
-    <p:sldId id="359" r:id="rId28"/>
-    <p:sldId id="317" r:id="rId29"/>
-    <p:sldId id="358" r:id="rId30"/>
+    <p:sldId id="295" r:id="rId20"/>
+    <p:sldId id="352" r:id="rId21"/>
+    <p:sldId id="310" r:id="rId22"/>
+    <p:sldId id="331" r:id="rId23"/>
+    <p:sldId id="266" r:id="rId24"/>
+    <p:sldId id="269" r:id="rId25"/>
+    <p:sldId id="353" r:id="rId26"/>
+    <p:sldId id="359" r:id="rId27"/>
+    <p:sldId id="317" r:id="rId28"/>
+    <p:sldId id="358" r:id="rId29"/>
   </p:sldIdLst>
   <p:sldSz cx="12192000" cy="6858000"/>
   <p:notesSz cx="6858000" cy="9144000"/>
@@ -18410,7 +18409,7 @@
           <a:p>
             <a:fld id="{09E03A6A-FB29-48A7-B897-A3A88FF866C6}" type="datetimeFigureOut">
               <a:rPr lang="en-GB" smtClean="0"/>
-              <a:t>08/11/2018</a:t>
+              <a:t>09/11/2018</a:t>
             </a:fld>
             <a:endParaRPr lang="en-GB"/>
           </a:p>
@@ -18576,7 +18575,7 @@
           <a:p>
             <a:fld id="{A181B7CF-F30F-498F-9B2B-0A93E93E5BB6}" type="datetimeFigureOut">
               <a:rPr lang="en-GB" smtClean="0"/>
-              <a:t>08/11/2018</a:t>
+              <a:t>09/11/2018</a:t>
             </a:fld>
             <a:endParaRPr lang="en-GB"/>
           </a:p>
@@ -19597,21 +19596,60 @@
           <a:lstStyle/>
           <a:p>
             <a:r>
-              <a:rPr lang="en-US" dirty="0"/>
-              <a:t>Between the Fact table and the dimension only one relationship can be active, we can use the inactive relationship by using the</a:t>
-            </a:r>
+              <a:rPr lang="hu-HU" dirty="0" err="1"/>
+              <a:t>This</a:t>
+            </a:r>
+            <a:r>
+              <a:rPr lang="hu-HU" dirty="0"/>
+              <a:t> </a:t>
+            </a:r>
+            <a:r>
+              <a:rPr lang="hu-HU" dirty="0" err="1"/>
+              <a:t>options</a:t>
+            </a:r>
+            <a:r>
+              <a:rPr lang="hu-HU" dirty="0"/>
+              <a:t> </a:t>
+            </a:r>
+            <a:r>
+              <a:rPr lang="hu-HU" dirty="0" err="1"/>
+              <a:t>page</a:t>
+            </a:r>
+            <a:r>
+              <a:rPr lang="hu-HU" dirty="0"/>
+              <a:t> is </a:t>
+            </a:r>
+            <a:r>
+              <a:rPr lang="hu-HU" dirty="0" err="1"/>
+              <a:t>the</a:t>
+            </a:r>
+            <a:r>
+              <a:rPr lang="hu-HU" dirty="0"/>
+              <a:t> most important. I personally like to manage the relationships manually and prefer not to use Auto Date/Time.</a:t>
+            </a:r>
+            <a:endParaRPr lang="en-US" dirty="0"/>
+          </a:p>
+          <a:p>
             <a:endParaRPr lang="hu-HU" dirty="0"/>
           </a:p>
           <a:p>
             <a:r>
-              <a:rPr lang="hu-HU" dirty="0"/>
-              <a:t>,USERELATIONSHIP </a:t>
-            </a:r>
-            <a:r>
-              <a:rPr lang="en-US" dirty="0"/>
-              <a:t>expression.</a:t>
-            </a:r>
-            <a:endParaRPr lang="en-GB" dirty="0"/>
+              <a:rPr lang="hu-HU" b="1" dirty="0"/>
+              <a:t>Memo to start with the iexfinance </a:t>
+            </a:r>
+            <a:r>
+              <a:rPr lang="en-US" b="1" dirty="0"/>
+              <a:t>Python </a:t>
+            </a:r>
+            <a:r>
+              <a:rPr lang="hu-HU" b="1" dirty="0"/>
+              <a:t>demo</a:t>
+            </a:r>
+            <a:r>
+              <a:rPr lang="en-US" b="1" dirty="0"/>
+              <a:t>.</a:t>
+            </a:r>
+            <a:endParaRPr lang="hu-HU" b="1" dirty="0"/>
           </a:p>
         </p:txBody>
       </p:sp>
@@ -19632,7 +19670,7 @@
           <a:p>
             <a:fld id="{5269E5D2-5839-4FFB-A57E-0EA89384931F}" type="slidenum">
               <a:rPr lang="en-GB" smtClean="0"/>
-              <a:t>14</a:t>
+              <a:t>15</a:t>
             </a:fld>
             <a:endParaRPr lang="en-GB"/>
           </a:p>
@@ -19641,7 +19679,7 @@
     </p:spTree>
     <p:extLst>
       <p:ext uri="{BB962C8B-B14F-4D97-AF65-F5344CB8AC3E}">
-        <p14:creationId xmlns:p14="http://schemas.microsoft.com/office/powerpoint/2010/main" val="1863305989"/>
+        <p14:creationId xmlns:p14="http://schemas.microsoft.com/office/powerpoint/2010/main" val="423603170"/>
       </p:ext>
     </p:extLst>
   </p:cSld>
@@ -19652,6 +19690,157 @@
 </file>
 
 <file path=ppt/notesSlides/notesSlide14.xml><?xml version="1.0" encoding="utf-8"?>
+<p:notes xmlns:a="http://schemas.openxmlformats.org/drawingml/2006/main" xmlns:r="http://schemas.openxmlformats.org/officeDocument/2006/relationships" xmlns:p="http://schemas.openxmlformats.org/presentationml/2006/main">
+  <p:cSld>
+    <p:spTree>
+      <p:nvGrpSpPr>
+        <p:cNvPr id="1" name=""/>
+        <p:cNvGrpSpPr/>
+        <p:nvPr/>
+      </p:nvGrpSpPr>
+      <p:grpSpPr>
+        <a:xfrm>
+          <a:off x="0" y="0"/>
+          <a:ext cx="0" cy="0"/>
+          <a:chOff x="0" y="0"/>
+          <a:chExt cx="0" cy="0"/>
+        </a:xfrm>
+      </p:grpSpPr>
+      <p:sp>
+        <p:nvSpPr>
+          <p:cNvPr id="2" name="Diakép helye 1"/>
+          <p:cNvSpPr>
+            <a:spLocks noGrp="1" noRot="1" noChangeAspect="1"/>
+          </p:cNvSpPr>
+          <p:nvPr>
+            <p:ph type="sldImg"/>
+          </p:nvPr>
+        </p:nvSpPr>
+        <p:spPr/>
+      </p:sp>
+      <p:sp>
+        <p:nvSpPr>
+          <p:cNvPr id="3" name="Jegyzetek helye 2"/>
+          <p:cNvSpPr>
+            <a:spLocks noGrp="1"/>
+          </p:cNvSpPr>
+          <p:nvPr>
+            <p:ph type="body" idx="1"/>
+          </p:nvPr>
+        </p:nvSpPr>
+        <p:spPr/>
+        <p:txBody>
+          <a:bodyPr/>
+          <a:lstStyle/>
+          <a:p>
+            <a:r>
+              <a:rPr lang="hu-HU" dirty="0"/>
+              <a:t>The </a:t>
+            </a:r>
+            <a:r>
+              <a:rPr lang="hu-HU" dirty="0" err="1"/>
+              <a:t>point</a:t>
+            </a:r>
+            <a:r>
+              <a:rPr lang="hu-HU" dirty="0"/>
+              <a:t> is </a:t>
+            </a:r>
+            <a:r>
+              <a:rPr lang="hu-HU" dirty="0" err="1"/>
+              <a:t>that</a:t>
+            </a:r>
+            <a:r>
+              <a:rPr lang="hu-HU" dirty="0"/>
+              <a:t> DAX </a:t>
+            </a:r>
+            <a:r>
+              <a:rPr lang="hu-HU" dirty="0" err="1"/>
+              <a:t>data</a:t>
+            </a:r>
+            <a:r>
+              <a:rPr lang="hu-HU" dirty="0"/>
+              <a:t> </a:t>
+            </a:r>
+            <a:r>
+              <a:rPr lang="hu-HU" dirty="0" err="1"/>
+              <a:t>types</a:t>
+            </a:r>
+            <a:r>
+              <a:rPr lang="hu-HU" dirty="0"/>
+              <a:t> </a:t>
+            </a:r>
+            <a:r>
+              <a:rPr lang="hu-HU" dirty="0" err="1"/>
+              <a:t>differ</a:t>
+            </a:r>
+            <a:r>
+              <a:rPr lang="hu-HU" dirty="0"/>
+              <a:t> </a:t>
+            </a:r>
+            <a:r>
+              <a:rPr lang="hu-HU" dirty="0" err="1"/>
+              <a:t>from</a:t>
+            </a:r>
+            <a:r>
+              <a:rPr lang="hu-HU" dirty="0"/>
+              <a:t> Python </a:t>
+            </a:r>
+            <a:r>
+              <a:rPr lang="hu-HU" dirty="0" err="1"/>
+              <a:t>data</a:t>
+            </a:r>
+            <a:r>
+              <a:rPr lang="hu-HU" dirty="0"/>
+              <a:t> </a:t>
+            </a:r>
+            <a:r>
+              <a:rPr lang="hu-HU" dirty="0" err="1"/>
+              <a:t>types</a:t>
+            </a:r>
+            <a:r>
+              <a:rPr lang="hu-HU" dirty="0"/>
+              <a:t>. </a:t>
+            </a:r>
+          </a:p>
+        </p:txBody>
+      </p:sp>
+      <p:sp>
+        <p:nvSpPr>
+          <p:cNvPr id="4" name="Dia számának helye 3"/>
+          <p:cNvSpPr>
+            <a:spLocks noGrp="1"/>
+          </p:cNvSpPr>
+          <p:nvPr>
+            <p:ph type="sldNum" sz="quarter" idx="5"/>
+          </p:nvPr>
+        </p:nvSpPr>
+        <p:spPr/>
+        <p:txBody>
+          <a:bodyPr/>
+          <a:lstStyle/>
+          <a:p>
+            <a:fld id="{5269E5D2-5839-4FFB-A57E-0EA89384931F}" type="slidenum">
+              <a:rPr lang="en-GB" smtClean="0"/>
+              <a:t>18</a:t>
+            </a:fld>
+            <a:endParaRPr lang="en-GB"/>
+          </a:p>
+        </p:txBody>
+      </p:sp>
+    </p:spTree>
+    <p:extLst>
+      <p:ext uri="{BB962C8B-B14F-4D97-AF65-F5344CB8AC3E}">
+        <p14:creationId xmlns:p14="http://schemas.microsoft.com/office/powerpoint/2010/main" val="4050931038"/>
+      </p:ext>
+    </p:extLst>
+  </p:cSld>
+  <p:clrMapOvr>
+    <a:masterClrMapping/>
+  </p:clrMapOvr>
+</p:notes>
+</file>
+
+<file path=ppt/notesSlides/notesSlide15.xml><?xml version="1.0" encoding="utf-8"?>
 <p:notes xmlns:a="http://schemas.openxmlformats.org/drawingml/2006/main" xmlns:r="http://schemas.openxmlformats.org/officeDocument/2006/relationships" xmlns:p="http://schemas.openxmlformats.org/presentationml/2006/main">
   <p:cSld>
     <p:spTree>
@@ -19696,60 +19885,42 @@
           <a:lstStyle/>
           <a:p>
             <a:r>
-              <a:rPr lang="hu-HU" dirty="0" err="1"/>
-              <a:t>This</a:t>
-            </a:r>
-            <a:r>
-              <a:rPr lang="hu-HU" dirty="0"/>
-              <a:t> </a:t>
-            </a:r>
-            <a:r>
-              <a:rPr lang="hu-HU" dirty="0" err="1"/>
-              <a:t>options</a:t>
-            </a:r>
-            <a:r>
-              <a:rPr lang="hu-HU" dirty="0"/>
-              <a:t> </a:t>
-            </a:r>
-            <a:r>
-              <a:rPr lang="hu-HU" dirty="0" err="1"/>
-              <a:t>page</a:t>
-            </a:r>
-            <a:r>
-              <a:rPr lang="hu-HU" dirty="0"/>
-              <a:t> is </a:t>
-            </a:r>
-            <a:r>
-              <a:rPr lang="hu-HU" dirty="0" err="1"/>
-              <a:t>the</a:t>
-            </a:r>
-            <a:r>
-              <a:rPr lang="hu-HU" dirty="0"/>
-              <a:t> most important. I personally like to manage the relationships manually and prefer not to use Auto Date/Time.</a:t>
-            </a:r>
-            <a:endParaRPr lang="en-US" dirty="0"/>
+              <a:rPr lang="en-US" dirty="0"/>
+              <a:t>Check out Art </a:t>
+            </a:r>
+            <a:r>
+              <a:rPr lang="en-US" dirty="0" err="1"/>
+              <a:t>Tennick’s</a:t>
+            </a:r>
+            <a:r>
+              <a:rPr lang="en-US" dirty="0"/>
+              <a:t> LinkedIn page if you are interested in other Power BI – Python demos </a:t>
+            </a:r>
+          </a:p>
+          <a:p>
+            <a:r>
+              <a:rPr lang="en-US" dirty="0"/>
+              <a:t>https://</a:t>
+            </a:r>
+            <a:r>
+              <a:rPr lang="en-US" dirty="0" err="1"/>
+              <a:t>www.linkedin.com</a:t>
+            </a:r>
+            <a:r>
+              <a:rPr lang="en-US" dirty="0"/>
+              <a:t>/in/</a:t>
+            </a:r>
+            <a:r>
+              <a:rPr lang="en-US" dirty="0" err="1"/>
+              <a:t>arttennick</a:t>
+            </a:r>
+            <a:r>
+              <a:rPr lang="en-US" dirty="0"/>
+              <a:t>/</a:t>
+            </a:r>
           </a:p>
           <a:p>
             <a:endParaRPr lang="hu-HU" dirty="0"/>
-          </a:p>
-          <a:p>
-            <a:r>
-              <a:rPr lang="hu-HU" b="1" dirty="0"/>
-              <a:t>Memo to start with the iexfinance </a:t>
-            </a:r>
-            <a:r>
-              <a:rPr lang="en-US" b="1" dirty="0"/>
-              <a:t>Python </a:t>
-            </a:r>
-            <a:r>
-              <a:rPr lang="hu-HU" b="1" dirty="0"/>
-              <a:t>demo</a:t>
-            </a:r>
-            <a:r>
-              <a:rPr lang="en-US" b="1" dirty="0"/>
-              <a:t>.</a:t>
-            </a:r>
-            <a:endParaRPr lang="hu-HU" b="1" dirty="0"/>
           </a:p>
         </p:txBody>
       </p:sp>
@@ -19770,7 +19941,7 @@
           <a:p>
             <a:fld id="{5269E5D2-5839-4FFB-A57E-0EA89384931F}" type="slidenum">
               <a:rPr lang="en-GB" smtClean="0"/>
-              <a:t>16</a:t>
+              <a:t>20</a:t>
             </a:fld>
             <a:endParaRPr lang="en-GB"/>
           </a:p>
@@ -19779,7 +19950,7 @@
     </p:spTree>
     <p:extLst>
       <p:ext uri="{BB962C8B-B14F-4D97-AF65-F5344CB8AC3E}">
-        <p14:creationId xmlns:p14="http://schemas.microsoft.com/office/powerpoint/2010/main" val="423603170"/>
+        <p14:creationId xmlns:p14="http://schemas.microsoft.com/office/powerpoint/2010/main" val="2659576559"/>
       </p:ext>
     </p:extLst>
   </p:cSld>
@@ -19789,7 +19960,7 @@
 </p:notes>
 </file>
 
-<file path=ppt/notesSlides/notesSlide15.xml><?xml version="1.0" encoding="utf-8"?>
+<file path=ppt/notesSlides/notesSlide16.xml><?xml version="1.0" encoding="utf-8"?>
 <p:notes xmlns:a="http://schemas.openxmlformats.org/drawingml/2006/main" xmlns:r="http://schemas.openxmlformats.org/officeDocument/2006/relationships" xmlns:p="http://schemas.openxmlformats.org/presentationml/2006/main">
   <p:cSld>
     <p:spTree>
@@ -19835,72 +20006,44 @@
           <a:p>
             <a:r>
               <a:rPr lang="hu-HU" dirty="0"/>
-              <a:t>The </a:t>
-            </a:r>
-            <a:r>
-              <a:rPr lang="hu-HU" dirty="0" err="1"/>
-              <a:t>point</a:t>
-            </a:r>
-            <a:r>
-              <a:rPr lang="hu-HU" dirty="0"/>
-              <a:t> is </a:t>
-            </a:r>
-            <a:r>
-              <a:rPr lang="hu-HU" dirty="0" err="1"/>
-              <a:t>that</a:t>
-            </a:r>
-            <a:r>
-              <a:rPr lang="hu-HU" dirty="0"/>
-              <a:t> DAX </a:t>
-            </a:r>
-            <a:r>
-              <a:rPr lang="hu-HU" dirty="0" err="1"/>
-              <a:t>data</a:t>
-            </a:r>
-            <a:r>
-              <a:rPr lang="hu-HU" dirty="0"/>
-              <a:t> </a:t>
-            </a:r>
-            <a:r>
-              <a:rPr lang="hu-HU" dirty="0" err="1"/>
-              <a:t>types</a:t>
-            </a:r>
-            <a:r>
-              <a:rPr lang="hu-HU" dirty="0"/>
-              <a:t> </a:t>
-            </a:r>
-            <a:r>
-              <a:rPr lang="hu-HU" dirty="0" err="1"/>
-              <a:t>differ</a:t>
-            </a:r>
-            <a:r>
-              <a:rPr lang="hu-HU" dirty="0"/>
-              <a:t> </a:t>
-            </a:r>
-            <a:r>
-              <a:rPr lang="hu-HU" dirty="0" err="1"/>
-              <a:t>from</a:t>
-            </a:r>
-            <a:r>
-              <a:rPr lang="hu-HU" dirty="0"/>
-              <a:t> Python </a:t>
-            </a:r>
-            <a:r>
-              <a:rPr lang="hu-HU" dirty="0" err="1"/>
-              <a:t>data</a:t>
-            </a:r>
-            <a:r>
-              <a:rPr lang="hu-HU" dirty="0"/>
-              <a:t> </a:t>
-            </a:r>
-            <a:r>
-              <a:rPr lang="hu-HU" dirty="0" err="1"/>
-              <a:t>types</a:t>
-            </a:r>
-            <a:r>
-              <a:rPr lang="hu-HU" dirty="0"/>
-              <a:t>. </a:t>
-            </a:r>
+              <a:t>The Prediction level is mostly reached by data science.</a:t>
+            </a:r>
+            <a:endParaRPr lang="en-US" dirty="0"/>
+          </a:p>
+          <a:p>
+            <a:r>
+              <a:rPr lang="en-US" dirty="0"/>
+              <a:t>My conclusion based my advanced Power BI and beginner Python skills is that for BI tasks I recommend Power BI and Python for serious statistics, predicting, ML tasks.</a:t>
+            </a:r>
+          </a:p>
+          <a:p>
+            <a:r>
+              <a:rPr lang="en-US" dirty="0"/>
+              <a:t>I would not use Python for creating a basic chart.</a:t>
+            </a:r>
+          </a:p>
+          <a:p>
+            <a:r>
+              <a:rPr lang="en-US" dirty="0"/>
+              <a:t>Picture source: https://</a:t>
+            </a:r>
+            <a:r>
+              <a:rPr lang="en-US" dirty="0" err="1"/>
+              <a:t>www.slideshare.net</a:t>
+            </a:r>
+            <a:r>
+              <a:rPr lang="en-US" dirty="0"/>
+              <a:t>/</a:t>
+            </a:r>
+            <a:r>
+              <a:rPr lang="en-US" dirty="0" err="1"/>
+              <a:t>sogeti_nl</a:t>
+            </a:r>
+            <a:r>
+              <a:rPr lang="en-US" dirty="0"/>
+              <a:t>/bi-symposium-pyramid-28603122</a:t>
+            </a:r>
+            <a:endParaRPr lang="hu-HU" dirty="0"/>
           </a:p>
         </p:txBody>
       </p:sp>
@@ -19921,7 +20064,7 @@
           <a:p>
             <a:fld id="{5269E5D2-5839-4FFB-A57E-0EA89384931F}" type="slidenum">
               <a:rPr lang="en-GB" smtClean="0"/>
-              <a:t>19</a:t>
+              <a:t>21</a:t>
             </a:fld>
             <a:endParaRPr lang="en-GB"/>
           </a:p>
@@ -19930,127 +20073,7 @@
     </p:spTree>
     <p:extLst>
       <p:ext uri="{BB962C8B-B14F-4D97-AF65-F5344CB8AC3E}">
-        <p14:creationId xmlns:p14="http://schemas.microsoft.com/office/powerpoint/2010/main" val="4050931038"/>
-      </p:ext>
-    </p:extLst>
-  </p:cSld>
-  <p:clrMapOvr>
-    <a:masterClrMapping/>
-  </p:clrMapOvr>
-</p:notes>
-</file>
-
-<file path=ppt/notesSlides/notesSlide16.xml><?xml version="1.0" encoding="utf-8"?>
-<p:notes xmlns:a="http://schemas.openxmlformats.org/drawingml/2006/main" xmlns:r="http://schemas.openxmlformats.org/officeDocument/2006/relationships" xmlns:p="http://schemas.openxmlformats.org/presentationml/2006/main">
-  <p:cSld>
-    <p:spTree>
-      <p:nvGrpSpPr>
-        <p:cNvPr id="1" name=""/>
-        <p:cNvGrpSpPr/>
-        <p:nvPr/>
-      </p:nvGrpSpPr>
-      <p:grpSpPr>
-        <a:xfrm>
-          <a:off x="0" y="0"/>
-          <a:ext cx="0" cy="0"/>
-          <a:chOff x="0" y="0"/>
-          <a:chExt cx="0" cy="0"/>
-        </a:xfrm>
-      </p:grpSpPr>
-      <p:sp>
-        <p:nvSpPr>
-          <p:cNvPr id="2" name="Slide Image Placeholder 1"/>
-          <p:cNvSpPr>
-            <a:spLocks noGrp="1" noRot="1" noChangeAspect="1"/>
-          </p:cNvSpPr>
-          <p:nvPr>
-            <p:ph type="sldImg"/>
-          </p:nvPr>
-        </p:nvSpPr>
-        <p:spPr/>
-      </p:sp>
-      <p:sp>
-        <p:nvSpPr>
-          <p:cNvPr id="3" name="Notes Placeholder 2"/>
-          <p:cNvSpPr>
-            <a:spLocks noGrp="1"/>
-          </p:cNvSpPr>
-          <p:nvPr>
-            <p:ph type="body" idx="1"/>
-          </p:nvPr>
-        </p:nvSpPr>
-        <p:spPr/>
-        <p:txBody>
-          <a:bodyPr/>
-          <a:lstStyle/>
-          <a:p>
-            <a:r>
-              <a:rPr lang="en-US" dirty="0"/>
-              <a:t>Check out Art </a:t>
-            </a:r>
-            <a:r>
-              <a:rPr lang="en-US" dirty="0" err="1"/>
-              <a:t>Tennick’s</a:t>
-            </a:r>
-            <a:r>
-              <a:rPr lang="en-US" dirty="0"/>
-              <a:t> LinkedIn page if you are interested in other Power BI – Python demos </a:t>
-            </a:r>
-          </a:p>
-          <a:p>
-            <a:r>
-              <a:rPr lang="en-US" dirty="0"/>
-              <a:t>https://</a:t>
-            </a:r>
-            <a:r>
-              <a:rPr lang="en-US" dirty="0" err="1"/>
-              <a:t>www.linkedin.com</a:t>
-            </a:r>
-            <a:r>
-              <a:rPr lang="en-US" dirty="0"/>
-              <a:t>/in/</a:t>
-            </a:r>
-            <a:r>
-              <a:rPr lang="en-US" dirty="0" err="1"/>
-              <a:t>arttennick</a:t>
-            </a:r>
-            <a:r>
-              <a:rPr lang="en-US" dirty="0"/>
-              <a:t>/</a:t>
-            </a:r>
-          </a:p>
-          <a:p>
-            <a:endParaRPr lang="hu-HU" dirty="0"/>
-          </a:p>
-        </p:txBody>
-      </p:sp>
-      <p:sp>
-        <p:nvSpPr>
-          <p:cNvPr id="4" name="Slide Number Placeholder 3"/>
-          <p:cNvSpPr>
-            <a:spLocks noGrp="1"/>
-          </p:cNvSpPr>
-          <p:nvPr>
-            <p:ph type="sldNum" sz="quarter" idx="10"/>
-          </p:nvPr>
-        </p:nvSpPr>
-        <p:spPr/>
-        <p:txBody>
-          <a:bodyPr/>
-          <a:lstStyle/>
-          <a:p>
-            <a:fld id="{5269E5D2-5839-4FFB-A57E-0EA89384931F}" type="slidenum">
-              <a:rPr lang="en-GB" smtClean="0"/>
-              <a:t>21</a:t>
-            </a:fld>
-            <a:endParaRPr lang="en-GB"/>
-          </a:p>
-        </p:txBody>
-      </p:sp>
-    </p:spTree>
-    <p:extLst>
-      <p:ext uri="{BB962C8B-B14F-4D97-AF65-F5344CB8AC3E}">
-        <p14:creationId xmlns:p14="http://schemas.microsoft.com/office/powerpoint/2010/main" val="2659576559"/>
+        <p14:creationId xmlns:p14="http://schemas.microsoft.com/office/powerpoint/2010/main" val="2446597626"/>
       </p:ext>
     </p:extLst>
   </p:cSld>
@@ -20106,43 +20129,26 @@
           <a:p>
             <a:r>
               <a:rPr lang="hu-HU" dirty="0"/>
-              <a:t>The Prediction level is mostly reached by data science.</a:t>
+              <a:t>If you have demo reports about combining Python and Power BI please post them to the datascientistbudapest Facebook page or my LinkedIn page.</a:t>
             </a:r>
             <a:endParaRPr lang="en-US" dirty="0"/>
           </a:p>
           <a:p>
+            <a:endParaRPr lang="en-US" dirty="0"/>
+          </a:p>
+          <a:p>
+            <a:endParaRPr lang="en-US" dirty="0"/>
+          </a:p>
+          <a:p>
             <a:r>
               <a:rPr lang="en-US" dirty="0"/>
-              <a:t>My conclusion based my advanced Power BI and beginner Python skills is that for BI tasks I recommend Power BI and Python for serious statistics, predicting, ML tasks.</a:t>
-            </a:r>
-          </a:p>
-          <a:p>
-            <a:r>
-              <a:rPr lang="en-US" dirty="0"/>
-              <a:t>I would not use Python for creating a basic chart.</a:t>
-            </a:r>
-          </a:p>
-          <a:p>
-            <a:r>
-              <a:rPr lang="en-US" dirty="0"/>
-              <a:t>Picture source: https://</a:t>
-            </a:r>
-            <a:r>
-              <a:rPr lang="en-US" dirty="0" err="1"/>
-              <a:t>www.slideshare.net</a:t>
-            </a:r>
-            <a:r>
-              <a:rPr lang="en-US" dirty="0"/>
-              <a:t>/</a:t>
-            </a:r>
-            <a:r>
-              <a:rPr lang="en-US" dirty="0" err="1"/>
-              <a:t>sogeti_nl</a:t>
-            </a:r>
-            <a:r>
-              <a:rPr lang="en-US" dirty="0"/>
-              <a:t>/bi-symposium-pyramid-28603122</a:t>
-            </a:r>
+              <a:t>If you have recommendations to improve my demo report, please let me know.</a:t>
+            </a:r>
+          </a:p>
+          <a:p>
+            <a:endParaRPr lang="en-US" dirty="0"/>
+          </a:p>
+          <a:p>
             <a:endParaRPr lang="hu-HU" dirty="0"/>
           </a:p>
         </p:txBody>
@@ -20165,112 +20171,6 @@
             <a:fld id="{5269E5D2-5839-4FFB-A57E-0EA89384931F}" type="slidenum">
               <a:rPr lang="en-GB" smtClean="0"/>
               <a:t>22</a:t>
-            </a:fld>
-            <a:endParaRPr lang="en-GB"/>
-          </a:p>
-        </p:txBody>
-      </p:sp>
-    </p:spTree>
-    <p:extLst>
-      <p:ext uri="{BB962C8B-B14F-4D97-AF65-F5344CB8AC3E}">
-        <p14:creationId xmlns:p14="http://schemas.microsoft.com/office/powerpoint/2010/main" val="2446597626"/>
-      </p:ext>
-    </p:extLst>
-  </p:cSld>
-  <p:clrMapOvr>
-    <a:masterClrMapping/>
-  </p:clrMapOvr>
-</p:notes>
-</file>
-
-<file path=ppt/notesSlides/notesSlide18.xml><?xml version="1.0" encoding="utf-8"?>
-<p:notes xmlns:a="http://schemas.openxmlformats.org/drawingml/2006/main" xmlns:r="http://schemas.openxmlformats.org/officeDocument/2006/relationships" xmlns:p="http://schemas.openxmlformats.org/presentationml/2006/main">
-  <p:cSld>
-    <p:spTree>
-      <p:nvGrpSpPr>
-        <p:cNvPr id="1" name=""/>
-        <p:cNvGrpSpPr/>
-        <p:nvPr/>
-      </p:nvGrpSpPr>
-      <p:grpSpPr>
-        <a:xfrm>
-          <a:off x="0" y="0"/>
-          <a:ext cx="0" cy="0"/>
-          <a:chOff x="0" y="0"/>
-          <a:chExt cx="0" cy="0"/>
-        </a:xfrm>
-      </p:grpSpPr>
-      <p:sp>
-        <p:nvSpPr>
-          <p:cNvPr id="2" name="Diakép helye 1"/>
-          <p:cNvSpPr>
-            <a:spLocks noGrp="1" noRot="1" noChangeAspect="1"/>
-          </p:cNvSpPr>
-          <p:nvPr>
-            <p:ph type="sldImg"/>
-          </p:nvPr>
-        </p:nvSpPr>
-        <p:spPr/>
-      </p:sp>
-      <p:sp>
-        <p:nvSpPr>
-          <p:cNvPr id="3" name="Jegyzetek helye 2"/>
-          <p:cNvSpPr>
-            <a:spLocks noGrp="1"/>
-          </p:cNvSpPr>
-          <p:nvPr>
-            <p:ph type="body" idx="1"/>
-          </p:nvPr>
-        </p:nvSpPr>
-        <p:spPr/>
-        <p:txBody>
-          <a:bodyPr/>
-          <a:lstStyle/>
-          <a:p>
-            <a:r>
-              <a:rPr lang="hu-HU" dirty="0"/>
-              <a:t>If you have demo reports about combining Python and Power BI please post them to the datascientistbudapest Facebook page or my LinkedIn page.</a:t>
-            </a:r>
-            <a:endParaRPr lang="en-US" dirty="0"/>
-          </a:p>
-          <a:p>
-            <a:endParaRPr lang="en-US" dirty="0"/>
-          </a:p>
-          <a:p>
-            <a:endParaRPr lang="en-US" dirty="0"/>
-          </a:p>
-          <a:p>
-            <a:r>
-              <a:rPr lang="en-US" dirty="0"/>
-              <a:t>If you have recommendations to improve my demo report, please let me know.</a:t>
-            </a:r>
-          </a:p>
-          <a:p>
-            <a:endParaRPr lang="en-US" dirty="0"/>
-          </a:p>
-          <a:p>
-            <a:endParaRPr lang="hu-HU" dirty="0"/>
-          </a:p>
-        </p:txBody>
-      </p:sp>
-      <p:sp>
-        <p:nvSpPr>
-          <p:cNvPr id="4" name="Dia számának helye 3"/>
-          <p:cNvSpPr>
-            <a:spLocks noGrp="1"/>
-          </p:cNvSpPr>
-          <p:nvPr>
-            <p:ph type="sldNum" sz="quarter" idx="5"/>
-          </p:nvPr>
-        </p:nvSpPr>
-        <p:spPr/>
-        <p:txBody>
-          <a:bodyPr/>
-          <a:lstStyle/>
-          <a:p>
-            <a:fld id="{5269E5D2-5839-4FFB-A57E-0EA89384931F}" type="slidenum">
-              <a:rPr lang="en-GB" smtClean="0"/>
-              <a:t>23</a:t>
             </a:fld>
             <a:endParaRPr lang="en-GB"/>
           </a:p>
@@ -21336,7 +21236,7 @@
           <a:p>
             <a:fld id="{91AA607C-2AFE-41A9-9E5A-3EC88E00BF0D}" type="datetime1">
               <a:rPr lang="en-US" smtClean="0"/>
-              <a:t>11/8/2018</a:t>
+              <a:t>11/9/2018</a:t>
             </a:fld>
             <a:endParaRPr lang="en-US"/>
           </a:p>
@@ -21504,7 +21404,7 @@
           <a:p>
             <a:fld id="{BA1D2BDD-9EB6-43DC-8E32-089DAA66E986}" type="datetime1">
               <a:rPr lang="en-US" smtClean="0"/>
-              <a:t>11/8/2018</a:t>
+              <a:t>11/9/2018</a:t>
             </a:fld>
             <a:endParaRPr lang="en-US"/>
           </a:p>
@@ -21682,7 +21582,7 @@
           <a:p>
             <a:fld id="{C371080E-46EE-450D-9B08-82DE3FD00E05}" type="datetime1">
               <a:rPr lang="en-US" smtClean="0"/>
-              <a:t>11/8/2018</a:t>
+              <a:t>11/9/2018</a:t>
             </a:fld>
             <a:endParaRPr lang="en-US"/>
           </a:p>
@@ -22465,7 +22365,7 @@
           <a:p>
             <a:fld id="{7E5D61AC-B902-4CDB-A247-41F28CA21424}" type="datetime1">
               <a:rPr lang="en-US" smtClean="0"/>
-              <a:t>11/8/2018</a:t>
+              <a:t>11/9/2018</a:t>
             </a:fld>
             <a:endParaRPr lang="en-US"/>
           </a:p>
@@ -22641,7 +22541,7 @@
           <a:p>
             <a:fld id="{AEED1CB5-4786-44CB-ABBC-E7C261B58B4E}" type="datetime1">
               <a:rPr lang="en-US" smtClean="0"/>
-              <a:t>11/8/2018</a:t>
+              <a:t>11/9/2018</a:t>
             </a:fld>
             <a:endParaRPr lang="en-US"/>
           </a:p>
@@ -22888,7 +22788,7 @@
           <a:p>
             <a:fld id="{8171062B-019B-4FE9-88EC-B783C8E46DB8}" type="datetime1">
               <a:rPr lang="en-US" smtClean="0"/>
-              <a:t>11/8/2018</a:t>
+              <a:t>11/9/2018</a:t>
             </a:fld>
             <a:endParaRPr lang="en-US"/>
           </a:p>
@@ -23120,7 +23020,7 @@
           <a:p>
             <a:fld id="{E562D091-1856-44C1-B67E-34BDCC8095E4}" type="datetime1">
               <a:rPr lang="en-US" smtClean="0"/>
-              <a:t>11/8/2018</a:t>
+              <a:t>11/9/2018</a:t>
             </a:fld>
             <a:endParaRPr lang="en-US"/>
           </a:p>
@@ -23499,7 +23399,7 @@
           <a:p>
             <a:fld id="{2E284476-0DAF-4D0D-B7D0-042B65DA2958}" type="datetime1">
               <a:rPr lang="en-US" smtClean="0"/>
-              <a:t>11/8/2018</a:t>
+              <a:t>11/9/2018</a:t>
             </a:fld>
             <a:endParaRPr lang="en-US"/>
           </a:p>
@@ -23627,7 +23527,7 @@
           <a:p>
             <a:fld id="{8F41BFBD-39FF-4D58-B644-E12D78FB44EE}" type="datetime1">
               <a:rPr lang="en-US" smtClean="0"/>
-              <a:t>11/8/2018</a:t>
+              <a:t>11/9/2018</a:t>
             </a:fld>
             <a:endParaRPr lang="en-US"/>
           </a:p>
@@ -23722,7 +23622,7 @@
           <a:p>
             <a:fld id="{9CE7C249-06C5-45F7-9C6C-596BBAB291E3}" type="datetime1">
               <a:rPr lang="en-US" smtClean="0"/>
-              <a:t>11/8/2018</a:t>
+              <a:t>11/9/2018</a:t>
             </a:fld>
             <a:endParaRPr lang="en-US"/>
           </a:p>
@@ -23977,7 +23877,7 @@
           <a:p>
             <a:fld id="{D2B7CB7D-FEC8-4BC3-87C0-565EEC73B77B}" type="datetime1">
               <a:rPr lang="en-US" smtClean="0"/>
-              <a:t>11/8/2018</a:t>
+              <a:t>11/9/2018</a:t>
             </a:fld>
             <a:endParaRPr lang="en-US"/>
           </a:p>
@@ -24150,7 +24050,7 @@
           <a:p>
             <a:fld id="{B41B6B32-2C57-4933-AD2C-E82650473046}" type="datetime1">
               <a:rPr lang="en-US" smtClean="0"/>
-              <a:t>11/8/2018</a:t>
+              <a:t>11/9/2018</a:t>
             </a:fld>
             <a:endParaRPr lang="en-US"/>
           </a:p>
@@ -24413,7 +24313,7 @@
           <a:p>
             <a:fld id="{B3FC7462-E629-4058-96DA-D744331AF37C}" type="datetime1">
               <a:rPr lang="en-US" smtClean="0"/>
-              <a:t>11/8/2018</a:t>
+              <a:t>11/9/2018</a:t>
             </a:fld>
             <a:endParaRPr lang="en-US"/>
           </a:p>
@@ -24664,7 +24564,7 @@
           <a:p>
             <a:fld id="{09DEC196-CBD8-490D-8A90-A29846E80DC5}" type="datetime1">
               <a:rPr lang="en-US" smtClean="0"/>
-              <a:t>11/8/2018</a:t>
+              <a:t>11/9/2018</a:t>
             </a:fld>
             <a:endParaRPr lang="en-US"/>
           </a:p>
@@ -24979,7 +24879,7 @@
           <a:p>
             <a:fld id="{09DEC196-CBD8-490D-8A90-A29846E80DC5}" type="datetime1">
               <a:rPr lang="en-US" smtClean="0"/>
-              <a:t>11/8/2018</a:t>
+              <a:t>11/9/2018</a:t>
             </a:fld>
             <a:endParaRPr lang="en-US"/>
           </a:p>
@@ -25321,7 +25221,7 @@
           <a:p>
             <a:fld id="{09DEC196-CBD8-490D-8A90-A29846E80DC5}" type="datetime1">
               <a:rPr lang="en-US" smtClean="0"/>
-              <a:t>11/8/2018</a:t>
+              <a:t>11/9/2018</a:t>
             </a:fld>
             <a:endParaRPr lang="en-US"/>
           </a:p>
@@ -25636,7 +25536,7 @@
           <a:p>
             <a:fld id="{09DEC196-CBD8-490D-8A90-A29846E80DC5}" type="datetime1">
               <a:rPr lang="en-US" smtClean="0"/>
-              <a:t>11/8/2018</a:t>
+              <a:t>11/9/2018</a:t>
             </a:fld>
             <a:endParaRPr lang="en-US"/>
           </a:p>
@@ -26030,7 +25930,7 @@
           <a:p>
             <a:fld id="{09DEC196-CBD8-490D-8A90-A29846E80DC5}" type="datetime1">
               <a:rPr lang="en-US" smtClean="0"/>
-              <a:t>11/8/2018</a:t>
+              <a:t>11/9/2018</a:t>
             </a:fld>
             <a:endParaRPr lang="en-US"/>
           </a:p>
@@ -26201,7 +26101,7 @@
           <a:p>
             <a:fld id="{B41BE9A2-272D-4DCF-9109-03DB9DC643B7}" type="datetime1">
               <a:rPr lang="en-US" smtClean="0"/>
-              <a:t>11/8/2018</a:t>
+              <a:t>11/9/2018</a:t>
             </a:fld>
             <a:endParaRPr lang="en-US"/>
           </a:p>
@@ -26381,7 +26281,7 @@
           <a:p>
             <a:fld id="{B3700D41-49DE-4FC2-BE5C-00F766B6A5B2}" type="datetime1">
               <a:rPr lang="en-US" smtClean="0"/>
-              <a:t>11/8/2018</a:t>
+              <a:t>11/9/2018</a:t>
             </a:fld>
             <a:endParaRPr lang="en-US"/>
           </a:p>
@@ -26626,7 +26526,7 @@
           <a:p>
             <a:fld id="{D3C7F36F-804E-40D3-BAFF-6840919DF2EF}" type="datetime1">
               <a:rPr lang="en-US" smtClean="0"/>
-              <a:t>11/8/2018</a:t>
+              <a:t>11/9/2018</a:t>
             </a:fld>
             <a:endParaRPr lang="en-US"/>
           </a:p>
@@ -26855,7 +26755,7 @@
           <a:p>
             <a:fld id="{53902FCF-7069-46C5-A777-195C93741EE8}" type="datetime1">
               <a:rPr lang="en-US" smtClean="0"/>
-              <a:t>11/8/2018</a:t>
+              <a:t>11/9/2018</a:t>
             </a:fld>
             <a:endParaRPr lang="en-US"/>
           </a:p>
@@ -27219,7 +27119,7 @@
           <a:p>
             <a:fld id="{E5C2BB7F-132D-4D6F-A09B-A7D293DD5860}" type="datetime1">
               <a:rPr lang="en-US" smtClean="0"/>
-              <a:t>11/8/2018</a:t>
+              <a:t>11/9/2018</a:t>
             </a:fld>
             <a:endParaRPr lang="en-US"/>
           </a:p>
@@ -27336,7 +27236,7 @@
           <a:p>
             <a:fld id="{F95B9D82-0A81-4F63-8625-844BA52536F3}" type="datetime1">
               <a:rPr lang="en-US" smtClean="0"/>
-              <a:t>11/8/2018</a:t>
+              <a:t>11/9/2018</a:t>
             </a:fld>
             <a:endParaRPr lang="en-US"/>
           </a:p>
@@ -27431,7 +27331,7 @@
           <a:p>
             <a:fld id="{92DBC190-81D3-4107-B036-2615A568B401}" type="datetime1">
               <a:rPr lang="en-US" smtClean="0"/>
-              <a:t>11/8/2018</a:t>
+              <a:t>11/9/2018</a:t>
             </a:fld>
             <a:endParaRPr lang="en-US"/>
           </a:p>
@@ -27706,7 +27606,7 @@
           <a:p>
             <a:fld id="{EDA9E0CD-7F9B-4ED4-A5FD-BFB0BDEC582A}" type="datetime1">
               <a:rPr lang="en-US" smtClean="0"/>
-              <a:t>11/8/2018</a:t>
+              <a:t>11/9/2018</a:t>
             </a:fld>
             <a:endParaRPr lang="en-US"/>
           </a:p>
@@ -27958,7 +27858,7 @@
           <a:p>
             <a:fld id="{57F000F1-4BA6-4D51-8F37-0A72C11E79FA}" type="datetime1">
               <a:rPr lang="en-US" smtClean="0"/>
-              <a:t>11/8/2018</a:t>
+              <a:t>11/9/2018</a:t>
             </a:fld>
             <a:endParaRPr lang="en-US"/>
           </a:p>
@@ -28169,7 +28069,7 @@
           <a:p>
             <a:fld id="{BEC3570C-6ADA-4FF3-B5F9-88B517AAB13E}" type="datetime1">
               <a:rPr lang="en-US" smtClean="0"/>
-              <a:t>11/8/2018</a:t>
+              <a:t>11/9/2018</a:t>
             </a:fld>
             <a:endParaRPr lang="en-US"/>
           </a:p>
@@ -29240,7 +29140,7 @@
           <a:p>
             <a:fld id="{BEC3570C-6ADA-4FF3-B5F9-88B517AAB13E}" type="datetime1">
               <a:rPr lang="en-US" smtClean="0"/>
-              <a:t>11/8/2018</a:t>
+              <a:t>11/9/2018</a:t>
             </a:fld>
             <a:endParaRPr lang="en-US"/>
           </a:p>
@@ -31912,7 +31812,7 @@
           <a:p>
             <a:r>
               <a:rPr lang="en-US" sz="4050" b="1" dirty="0" err="1"/>
-              <a:t>Starchema</a:t>
+              <a:t>Starschema</a:t>
             </a:r>
             <a:r>
               <a:rPr lang="en-US" sz="4050" b="1" dirty="0"/>
@@ -32232,220 +32132,6 @@
 </file>
 
 <file path=ppt/slides/slide14.xml><?xml version="1.0" encoding="utf-8"?>
-<p:sld xmlns:a="http://schemas.openxmlformats.org/drawingml/2006/main" xmlns:r="http://schemas.openxmlformats.org/officeDocument/2006/relationships" xmlns:p="http://schemas.openxmlformats.org/presentationml/2006/main">
-  <p:cSld>
-    <p:spTree>
-      <p:nvGrpSpPr>
-        <p:cNvPr id="1" name=""/>
-        <p:cNvGrpSpPr/>
-        <p:nvPr/>
-      </p:nvGrpSpPr>
-      <p:grpSpPr>
-        <a:xfrm>
-          <a:off x="0" y="0"/>
-          <a:ext cx="0" cy="0"/>
-          <a:chOff x="0" y="0"/>
-          <a:chExt cx="0" cy="0"/>
-        </a:xfrm>
-      </p:grpSpPr>
-      <p:pic>
-        <p:nvPicPr>
-          <p:cNvPr id="5" name="Picture 4"/>
-          <p:cNvPicPr>
-            <a:picLocks noChangeAspect="1"/>
-          </p:cNvPicPr>
-          <p:nvPr/>
-        </p:nvPicPr>
-        <p:blipFill>
-          <a:blip r:embed="rId3"/>
-          <a:stretch>
-            <a:fillRect/>
-          </a:stretch>
-        </p:blipFill>
-        <p:spPr>
-          <a:xfrm>
-            <a:off x="6508847" y="1940312"/>
-            <a:ext cx="5683152" cy="4883938"/>
-          </a:xfrm>
-          <a:prstGeom prst="rect">
-            <a:avLst/>
-          </a:prstGeom>
-        </p:spPr>
-      </p:pic>
-      <p:sp>
-        <p:nvSpPr>
-          <p:cNvPr id="6" name="Slide Number Placeholder 5"/>
-          <p:cNvSpPr>
-            <a:spLocks noGrp="1"/>
-          </p:cNvSpPr>
-          <p:nvPr>
-            <p:ph type="sldNum" sz="quarter" idx="12"/>
-          </p:nvPr>
-        </p:nvSpPr>
-        <p:spPr/>
-        <p:txBody>
-          <a:bodyPr/>
-          <a:lstStyle/>
-          <a:p>
-            <a:fld id="{8C7D807A-D3EC-4DEA-86E2-120E4093F1A6}" type="slidenum">
-              <a:rPr lang="en-US" smtClean="0"/>
-              <a:t>14</a:t>
-            </a:fld>
-            <a:endParaRPr lang="en-US"/>
-          </a:p>
-        </p:txBody>
-      </p:sp>
-      <p:sp>
-        <p:nvSpPr>
-          <p:cNvPr id="4" name="TextBox 3"/>
-          <p:cNvSpPr txBox="1"/>
-          <p:nvPr/>
-        </p:nvSpPr>
-        <p:spPr>
-          <a:xfrm>
-            <a:off x="1" y="0"/>
-            <a:ext cx="6779940" cy="3970318"/>
-          </a:xfrm>
-          <a:prstGeom prst="rect">
-            <a:avLst/>
-          </a:prstGeom>
-          <a:noFill/>
-        </p:spPr>
-        <p:txBody>
-          <a:bodyPr wrap="square" rtlCol="0">
-            <a:spAutoFit/>
-          </a:bodyPr>
-          <a:lstStyle/>
-          <a:p>
-            <a:r>
-              <a:rPr lang="hu-HU" dirty="0"/>
-              <a:t>USERELATIONSHIP</a:t>
-            </a:r>
-            <a:r>
-              <a:rPr lang="en-US" dirty="0"/>
-              <a:t> DAX function</a:t>
-            </a:r>
-            <a:endParaRPr lang="hu-HU" dirty="0"/>
-          </a:p>
-          <a:p>
-            <a:endParaRPr lang="hu-HU" dirty="0"/>
-          </a:p>
-          <a:p>
-            <a:r>
-              <a:rPr lang="en-US" dirty="0"/>
-              <a:t>Very often there are multiple dates in a Fact table</a:t>
-            </a:r>
-            <a:r>
-              <a:rPr lang="hu-HU" dirty="0"/>
-              <a:t>.</a:t>
-            </a:r>
-            <a:endParaRPr lang="en-US" dirty="0"/>
-          </a:p>
-          <a:p>
-            <a:r>
-              <a:rPr lang="en-US" dirty="0"/>
-              <a:t>Sometimes different measures should be analyzed by different dates</a:t>
-            </a:r>
-            <a:br>
-              <a:rPr lang="en-US" dirty="0"/>
-            </a:br>
-            <a:r>
-              <a:rPr lang="en-US" dirty="0"/>
-              <a:t>such as shipping cost by the Shipped date.</a:t>
-            </a:r>
-            <a:r>
-              <a:rPr lang="hu-HU" dirty="0"/>
-              <a:t> </a:t>
-            </a:r>
-          </a:p>
-          <a:p>
-            <a:endParaRPr lang="hu-HU" dirty="0"/>
-          </a:p>
-          <a:p>
-            <a:r>
-              <a:rPr lang="en-GB" dirty="0"/>
-              <a:t>Shipping Cost by </a:t>
-            </a:r>
-            <a:r>
-              <a:rPr lang="en-GB" dirty="0" err="1"/>
-              <a:t>ShipDate</a:t>
-            </a:r>
-            <a:r>
-              <a:rPr lang="en-GB" dirty="0"/>
-              <a:t> = CALCULATE(</a:t>
-            </a:r>
-            <a:br>
-              <a:rPr lang="hu-HU" dirty="0"/>
-            </a:br>
-            <a:r>
-              <a:rPr lang="en-GB" dirty="0"/>
-              <a:t>[Shipping cost];</a:t>
-            </a:r>
-            <a:br>
-              <a:rPr lang="hu-HU" dirty="0"/>
-            </a:br>
-            <a:r>
-              <a:rPr lang="en-GB" dirty="0"/>
-              <a:t>USERELATIONSHIP(</a:t>
-            </a:r>
-            <a:r>
-              <a:rPr lang="en-GB" dirty="0" err="1"/>
-              <a:t>InternetSales</a:t>
-            </a:r>
-            <a:r>
-              <a:rPr lang="en-GB" dirty="0"/>
-              <a:t>[</a:t>
-            </a:r>
-            <a:r>
-              <a:rPr lang="en-GB" dirty="0" err="1"/>
-              <a:t>ShipDateKey</a:t>
-            </a:r>
-            <a:r>
-              <a:rPr lang="en-GB" dirty="0"/>
-              <a:t>];'Date'[</a:t>
-            </a:r>
-            <a:r>
-              <a:rPr lang="en-GB" dirty="0" err="1"/>
-              <a:t>DateKey</a:t>
-            </a:r>
-            <a:r>
-              <a:rPr lang="en-GB" dirty="0"/>
-              <a:t>])</a:t>
-            </a:r>
-            <a:br>
-              <a:rPr lang="hu-HU" dirty="0"/>
-            </a:br>
-            <a:r>
-              <a:rPr lang="en-GB" dirty="0"/>
-              <a:t>)</a:t>
-            </a:r>
-            <a:endParaRPr lang="hu-HU" dirty="0"/>
-          </a:p>
-          <a:p>
-            <a:endParaRPr lang="hu-HU" dirty="0"/>
-          </a:p>
-          <a:p>
-            <a:endParaRPr lang="hu-HU" dirty="0"/>
-          </a:p>
-          <a:p>
-            <a:endParaRPr lang="hu-HU" dirty="0"/>
-          </a:p>
-        </p:txBody>
-      </p:sp>
-    </p:spTree>
-    <p:extLst>
-      <p:ext uri="{BB962C8B-B14F-4D97-AF65-F5344CB8AC3E}">
-        <p14:creationId xmlns:p14="http://schemas.microsoft.com/office/powerpoint/2010/main" val="1951625769"/>
-      </p:ext>
-    </p:extLst>
-  </p:cSld>
-  <p:clrMapOvr>
-    <a:masterClrMapping/>
-  </p:clrMapOvr>
-</p:sld>
-</file>
-
-<file path=ppt/slides/slide15.xml><?xml version="1.0" encoding="utf-8"?>
 <p:sld xmlns:a="http://schemas.openxmlformats.org/drawingml/2006/main" xmlns:r="http://schemas.openxmlformats.org/officeDocument/2006/relationships" xmlns:p="http://schemas.openxmlformats.org/presentationml/2006/main">
   <p:cSld>
     <p:spTree>
@@ -32689,7 +32375,7 @@
 </p:sld>
 </file>
 
-<file path=ppt/slides/slide16.xml><?xml version="1.0" encoding="utf-8"?>
+<file path=ppt/slides/slide15.xml><?xml version="1.0" encoding="utf-8"?>
 <p:sld xmlns:a="http://schemas.openxmlformats.org/drawingml/2006/main" xmlns:r="http://schemas.openxmlformats.org/officeDocument/2006/relationships" xmlns:p="http://schemas.openxmlformats.org/presentationml/2006/main">
   <p:cSld>
     <p:spTree>
@@ -32780,7 +32466,7 @@
           <a:p>
             <a:fld id="{8C7D807A-D3EC-4DEA-86E2-120E4093F1A6}" type="slidenum">
               <a:rPr lang="en-US" smtClean="0"/>
-              <a:t>16</a:t>
+              <a:t>15</a:t>
             </a:fld>
             <a:endParaRPr lang="en-US"/>
           </a:p>
@@ -32920,7 +32606,7 @@
 </p:sld>
 </file>
 
-<file path=ppt/slides/slide17.xml><?xml version="1.0" encoding="utf-8"?>
+<file path=ppt/slides/slide16.xml><?xml version="1.0" encoding="utf-8"?>
 <p:sld xmlns:a="http://schemas.openxmlformats.org/drawingml/2006/main" xmlns:r="http://schemas.openxmlformats.org/officeDocument/2006/relationships" xmlns:p="http://schemas.openxmlformats.org/presentationml/2006/main">
   <p:cSld>
     <p:spTree>
@@ -33449,7 +33135,7 @@
           <a:p>
             <a:fld id="{8C7D807A-D3EC-4DEA-86E2-120E4093F1A6}" type="slidenum">
               <a:rPr lang="en-US" smtClean="0"/>
-              <a:t>17</a:t>
+              <a:t>16</a:t>
             </a:fld>
             <a:endParaRPr lang="en-US"/>
           </a:p>
@@ -33526,7 +33212,7 @@
 </p:sld>
 </file>
 
-<file path=ppt/slides/slide18.xml><?xml version="1.0" encoding="utf-8"?>
+<file path=ppt/slides/slide17.xml><?xml version="1.0" encoding="utf-8"?>
 <p:sld xmlns:a="http://schemas.openxmlformats.org/drawingml/2006/main" xmlns:r="http://schemas.openxmlformats.org/officeDocument/2006/relationships" xmlns:p="http://schemas.openxmlformats.org/presentationml/2006/main">
   <p:cSld>
     <p:spTree>
@@ -33560,7 +33246,7 @@
           <a:p>
             <a:fld id="{8C7D807A-D3EC-4DEA-86E2-120E4093F1A6}" type="slidenum">
               <a:rPr lang="en-US" smtClean="0"/>
-              <a:t>18</a:t>
+              <a:t>17</a:t>
             </a:fld>
             <a:endParaRPr lang="en-US"/>
           </a:p>
@@ -33778,7 +33464,7 @@
 </p:sld>
 </file>
 
-<file path=ppt/slides/slide19.xml><?xml version="1.0" encoding="utf-8"?>
+<file path=ppt/slides/slide18.xml><?xml version="1.0" encoding="utf-8"?>
 <p:sld xmlns:a="http://schemas.openxmlformats.org/drawingml/2006/main" xmlns:r="http://schemas.openxmlformats.org/officeDocument/2006/relationships" xmlns:p="http://schemas.openxmlformats.org/presentationml/2006/main">
   <p:cSld>
     <p:spTree>
@@ -33812,7 +33498,7 @@
           <a:p>
             <a:fld id="{8C7D807A-D3EC-4DEA-86E2-120E4093F1A6}" type="slidenum">
               <a:rPr lang="en-US" smtClean="0"/>
-              <a:t>19</a:t>
+              <a:t>18</a:t>
             </a:fld>
             <a:endParaRPr lang="en-US"/>
           </a:p>
@@ -34081,6 +33767,288 @@
 </p:sld>
 </file>
 
+<file path=ppt/slides/slide19.xml><?xml version="1.0" encoding="utf-8"?>
+<p:sld xmlns:a="http://schemas.openxmlformats.org/drawingml/2006/main" xmlns:r="http://schemas.openxmlformats.org/officeDocument/2006/relationships" xmlns:p="http://schemas.openxmlformats.org/presentationml/2006/main">
+  <p:cSld>
+    <p:spTree>
+      <p:nvGrpSpPr>
+        <p:cNvPr id="1" name=""/>
+        <p:cNvGrpSpPr/>
+        <p:nvPr/>
+      </p:nvGrpSpPr>
+      <p:grpSpPr>
+        <a:xfrm>
+          <a:off x="0" y="0"/>
+          <a:ext cx="0" cy="0"/>
+          <a:chOff x="0" y="0"/>
+          <a:chExt cx="0" cy="0"/>
+        </a:xfrm>
+      </p:grpSpPr>
+      <p:sp>
+        <p:nvSpPr>
+          <p:cNvPr id="2" name="Title 1"/>
+          <p:cNvSpPr>
+            <a:spLocks noGrp="1"/>
+          </p:cNvSpPr>
+          <p:nvPr>
+            <p:ph type="title"/>
+          </p:nvPr>
+        </p:nvSpPr>
+        <p:spPr>
+          <a:xfrm>
+            <a:off x="1251678" y="382385"/>
+            <a:ext cx="10178322" cy="1167741"/>
+          </a:xfrm>
+        </p:spPr>
+        <p:txBody>
+          <a:bodyPr/>
+          <a:lstStyle/>
+          <a:p>
+            <a:r>
+              <a:rPr lang="hu-HU" dirty="0"/>
+              <a:t>DAX</a:t>
+            </a:r>
+            <a:endParaRPr lang="en-GB" dirty="0"/>
+          </a:p>
+        </p:txBody>
+      </p:sp>
+      <p:sp>
+        <p:nvSpPr>
+          <p:cNvPr id="6" name="Slide Number Placeholder 5"/>
+          <p:cNvSpPr>
+            <a:spLocks noGrp="1"/>
+          </p:cNvSpPr>
+          <p:nvPr>
+            <p:ph type="sldNum" sz="quarter" idx="12"/>
+          </p:nvPr>
+        </p:nvSpPr>
+        <p:spPr/>
+        <p:txBody>
+          <a:bodyPr/>
+          <a:lstStyle/>
+          <a:p>
+            <a:fld id="{8C7D807A-D3EC-4DEA-86E2-120E4093F1A6}" type="slidenum">
+              <a:rPr lang="en-US" smtClean="0"/>
+              <a:t>19</a:t>
+            </a:fld>
+            <a:endParaRPr lang="en-US"/>
+          </a:p>
+        </p:txBody>
+      </p:sp>
+      <p:sp>
+        <p:nvSpPr>
+          <p:cNvPr id="3" name="Content Placeholder 2"/>
+          <p:cNvSpPr>
+            <a:spLocks noGrp="1"/>
+          </p:cNvSpPr>
+          <p:nvPr>
+            <p:ph idx="4294967295"/>
+          </p:nvPr>
+        </p:nvSpPr>
+        <p:spPr>
+          <a:xfrm>
+            <a:off x="1531938" y="1244600"/>
+            <a:ext cx="10660062" cy="4800600"/>
+          </a:xfrm>
+        </p:spPr>
+        <p:txBody>
+          <a:bodyPr/>
+          <a:lstStyle/>
+          <a:p>
+            <a:pPr marL="0" indent="0">
+              <a:buNone/>
+            </a:pPr>
+            <a:endParaRPr lang="hu-HU"/>
+          </a:p>
+          <a:p>
+            <a:pPr marL="0" indent="0">
+              <a:buNone/>
+            </a:pPr>
+            <a:endParaRPr lang="hu-HU"/>
+          </a:p>
+          <a:p>
+            <a:pPr marL="0" indent="0">
+              <a:buNone/>
+            </a:pPr>
+            <a:endParaRPr lang="en-GB"/>
+          </a:p>
+        </p:txBody>
+      </p:sp>
+      <p:sp>
+        <p:nvSpPr>
+          <p:cNvPr id="4" name="TextBox 3"/>
+          <p:cNvSpPr txBox="1"/>
+          <p:nvPr/>
+        </p:nvSpPr>
+        <p:spPr>
+          <a:xfrm>
+            <a:off x="1251678" y="1149531"/>
+            <a:ext cx="10330722" cy="4247317"/>
+          </a:xfrm>
+          <a:prstGeom prst="rect">
+            <a:avLst/>
+          </a:prstGeom>
+          <a:noFill/>
+        </p:spPr>
+        <p:txBody>
+          <a:bodyPr wrap="square" rtlCol="0">
+            <a:spAutoFit/>
+          </a:bodyPr>
+          <a:lstStyle/>
+          <a:p>
+            <a:r>
+              <a:rPr lang="en-US" dirty="0"/>
+              <a:t>First evaluates the filter context, then computes the values.</a:t>
+            </a:r>
+            <a:endParaRPr lang="hu-HU" dirty="0"/>
+          </a:p>
+          <a:p>
+            <a:endParaRPr lang="hu-HU" dirty="0"/>
+          </a:p>
+          <a:p>
+            <a:r>
+              <a:rPr lang="en-GB" dirty="0"/>
+              <a:t>Sales in Canada = CALCULATE([</a:t>
+            </a:r>
+            <a:r>
+              <a:rPr lang="en-GB" dirty="0" err="1"/>
+              <a:t>SalesAmount</a:t>
+            </a:r>
+            <a:r>
+              <a:rPr lang="en-GB" dirty="0"/>
+              <a:t>];Geography[Region]="Canada")</a:t>
+            </a:r>
+            <a:endParaRPr lang="hu-HU" dirty="0"/>
+          </a:p>
+          <a:p>
+            <a:endParaRPr lang="hu-HU" dirty="0"/>
+          </a:p>
+          <a:p>
+            <a:r>
+              <a:rPr lang="en-GB" dirty="0"/>
+              <a:t>Sales in Berlin </a:t>
+            </a:r>
+            <a:r>
+              <a:rPr lang="hu-HU" dirty="0"/>
+              <a:t>capital city</a:t>
+            </a:r>
+            <a:r>
+              <a:rPr lang="en-GB" dirty="0"/>
+              <a:t>= CALCULATE([</a:t>
+            </a:r>
+            <a:r>
+              <a:rPr lang="en-GB" dirty="0" err="1"/>
+              <a:t>SalesAmount</a:t>
+            </a:r>
+            <a:r>
+              <a:rPr lang="en-GB" dirty="0"/>
+              <a:t>];Geography[Region]="</a:t>
+            </a:r>
+            <a:r>
+              <a:rPr lang="en-GB" dirty="0" err="1"/>
+              <a:t>Germany";Geography</a:t>
+            </a:r>
+            <a:r>
+              <a:rPr lang="en-GB" dirty="0"/>
+              <a:t>[</a:t>
+            </a:r>
+            <a:r>
+              <a:rPr lang="en-GB" dirty="0" err="1"/>
+              <a:t>StateProvince</a:t>
+            </a:r>
+            <a:r>
+              <a:rPr lang="en-GB" dirty="0"/>
+              <a:t>]="Hamburg";</a:t>
+            </a:r>
+            <a:br>
+              <a:rPr lang="hu-HU" dirty="0"/>
+            </a:br>
+            <a:r>
+              <a:rPr lang="en-GB" dirty="0"/>
+              <a:t>Geography[City]="Berlin")</a:t>
+            </a:r>
+            <a:endParaRPr lang="hu-HU" dirty="0"/>
+          </a:p>
+          <a:p>
+            <a:endParaRPr lang="hu-HU" dirty="0"/>
+          </a:p>
+          <a:p>
+            <a:r>
+              <a:rPr lang="en-GB" dirty="0"/>
+              <a:t>Sales of Bikes and Accessories =</a:t>
+            </a:r>
+            <a:br>
+              <a:rPr lang="hu-HU" dirty="0"/>
+            </a:br>
+            <a:r>
+              <a:rPr lang="en-GB" dirty="0"/>
+              <a:t>CALCULATE([</a:t>
+            </a:r>
+            <a:r>
+              <a:rPr lang="en-GB" dirty="0" err="1"/>
+              <a:t>SalesAmount</a:t>
+            </a:r>
+            <a:r>
+              <a:rPr lang="en-GB" dirty="0"/>
+              <a:t>];'Product'[</a:t>
+            </a:r>
+            <a:r>
+              <a:rPr lang="en-GB" dirty="0" err="1"/>
+              <a:t>ProductCategory</a:t>
+            </a:r>
+            <a:r>
+              <a:rPr lang="en-GB" dirty="0"/>
+              <a:t>]="Bikes" || 'Product'[</a:t>
+            </a:r>
+            <a:r>
+              <a:rPr lang="en-GB" dirty="0" err="1"/>
+              <a:t>ProductCategory</a:t>
+            </a:r>
+            <a:r>
+              <a:rPr lang="en-GB" dirty="0"/>
+              <a:t>]="Accessories" )</a:t>
+            </a:r>
+            <a:endParaRPr lang="hu-HU" dirty="0"/>
+          </a:p>
+          <a:p>
+            <a:endParaRPr lang="hu-HU" dirty="0"/>
+          </a:p>
+          <a:p>
+            <a:r>
+              <a:rPr lang="en-GB" dirty="0"/>
+              <a:t>Sales under the Queen =</a:t>
+            </a:r>
+            <a:br>
+              <a:rPr lang="hu-HU" dirty="0"/>
+            </a:br>
+            <a:r>
+              <a:rPr lang="en-GB" dirty="0"/>
+              <a:t>CALCULATE([</a:t>
+            </a:r>
+            <a:r>
+              <a:rPr lang="en-GB" dirty="0" err="1"/>
+              <a:t>SalesAmount</a:t>
+            </a:r>
+            <a:r>
+              <a:rPr lang="en-GB" dirty="0"/>
+              <a:t>];Geography[Region]="Canada" || Geography[Region]="Australia" || Geography[Region]="United Kingdom" )</a:t>
+            </a:r>
+          </a:p>
+        </p:txBody>
+      </p:sp>
+    </p:spTree>
+    <p:extLst>
+      <p:ext uri="{BB962C8B-B14F-4D97-AF65-F5344CB8AC3E}">
+        <p14:creationId xmlns:p14="http://schemas.microsoft.com/office/powerpoint/2010/main" val="952577509"/>
+      </p:ext>
+    </p:extLst>
+  </p:cSld>
+  <p:clrMapOvr>
+    <a:masterClrMapping/>
+  </p:clrMapOvr>
+</p:sld>
+</file>
+
 <file path=ppt/slides/slide2.xml><?xml version="1.0" encoding="utf-8"?>
 <p:sld xmlns:a="http://schemas.openxmlformats.org/drawingml/2006/main" xmlns:r="http://schemas.openxmlformats.org/officeDocument/2006/relationships" xmlns:p="http://schemas.openxmlformats.org/presentationml/2006/main">
   <p:cSld>
@@ -34263,288 +34231,6 @@
       </p:grpSpPr>
       <p:sp>
         <p:nvSpPr>
-          <p:cNvPr id="2" name="Title 1"/>
-          <p:cNvSpPr>
-            <a:spLocks noGrp="1"/>
-          </p:cNvSpPr>
-          <p:nvPr>
-            <p:ph type="title"/>
-          </p:nvPr>
-        </p:nvSpPr>
-        <p:spPr>
-          <a:xfrm>
-            <a:off x="1251678" y="382385"/>
-            <a:ext cx="10178322" cy="1167741"/>
-          </a:xfrm>
-        </p:spPr>
-        <p:txBody>
-          <a:bodyPr/>
-          <a:lstStyle/>
-          <a:p>
-            <a:r>
-              <a:rPr lang="hu-HU" dirty="0"/>
-              <a:t>DAX</a:t>
-            </a:r>
-            <a:endParaRPr lang="en-GB" dirty="0"/>
-          </a:p>
-        </p:txBody>
-      </p:sp>
-      <p:sp>
-        <p:nvSpPr>
-          <p:cNvPr id="6" name="Slide Number Placeholder 5"/>
-          <p:cNvSpPr>
-            <a:spLocks noGrp="1"/>
-          </p:cNvSpPr>
-          <p:nvPr>
-            <p:ph type="sldNum" sz="quarter" idx="12"/>
-          </p:nvPr>
-        </p:nvSpPr>
-        <p:spPr/>
-        <p:txBody>
-          <a:bodyPr/>
-          <a:lstStyle/>
-          <a:p>
-            <a:fld id="{8C7D807A-D3EC-4DEA-86E2-120E4093F1A6}" type="slidenum">
-              <a:rPr lang="en-US" smtClean="0"/>
-              <a:t>20</a:t>
-            </a:fld>
-            <a:endParaRPr lang="en-US"/>
-          </a:p>
-        </p:txBody>
-      </p:sp>
-      <p:sp>
-        <p:nvSpPr>
-          <p:cNvPr id="3" name="Content Placeholder 2"/>
-          <p:cNvSpPr>
-            <a:spLocks noGrp="1"/>
-          </p:cNvSpPr>
-          <p:nvPr>
-            <p:ph idx="4294967295"/>
-          </p:nvPr>
-        </p:nvSpPr>
-        <p:spPr>
-          <a:xfrm>
-            <a:off x="1531938" y="1244600"/>
-            <a:ext cx="10660062" cy="4800600"/>
-          </a:xfrm>
-        </p:spPr>
-        <p:txBody>
-          <a:bodyPr/>
-          <a:lstStyle/>
-          <a:p>
-            <a:pPr marL="0" indent="0">
-              <a:buNone/>
-            </a:pPr>
-            <a:endParaRPr lang="hu-HU"/>
-          </a:p>
-          <a:p>
-            <a:pPr marL="0" indent="0">
-              <a:buNone/>
-            </a:pPr>
-            <a:endParaRPr lang="hu-HU"/>
-          </a:p>
-          <a:p>
-            <a:pPr marL="0" indent="0">
-              <a:buNone/>
-            </a:pPr>
-            <a:endParaRPr lang="en-GB"/>
-          </a:p>
-        </p:txBody>
-      </p:sp>
-      <p:sp>
-        <p:nvSpPr>
-          <p:cNvPr id="4" name="TextBox 3"/>
-          <p:cNvSpPr txBox="1"/>
-          <p:nvPr/>
-        </p:nvSpPr>
-        <p:spPr>
-          <a:xfrm>
-            <a:off x="1251678" y="1149531"/>
-            <a:ext cx="10330722" cy="4247317"/>
-          </a:xfrm>
-          <a:prstGeom prst="rect">
-            <a:avLst/>
-          </a:prstGeom>
-          <a:noFill/>
-        </p:spPr>
-        <p:txBody>
-          <a:bodyPr wrap="square" rtlCol="0">
-            <a:spAutoFit/>
-          </a:bodyPr>
-          <a:lstStyle/>
-          <a:p>
-            <a:r>
-              <a:rPr lang="en-US" dirty="0"/>
-              <a:t>First evaluates the filter context, then computes the values.</a:t>
-            </a:r>
-            <a:endParaRPr lang="hu-HU" dirty="0"/>
-          </a:p>
-          <a:p>
-            <a:endParaRPr lang="hu-HU" dirty="0"/>
-          </a:p>
-          <a:p>
-            <a:r>
-              <a:rPr lang="en-GB" dirty="0"/>
-              <a:t>Sales in Canada = CALCULATE([</a:t>
-            </a:r>
-            <a:r>
-              <a:rPr lang="en-GB" dirty="0" err="1"/>
-              <a:t>SalesAmount</a:t>
-            </a:r>
-            <a:r>
-              <a:rPr lang="en-GB" dirty="0"/>
-              <a:t>];Geography[Region]="Canada")</a:t>
-            </a:r>
-            <a:endParaRPr lang="hu-HU" dirty="0"/>
-          </a:p>
-          <a:p>
-            <a:endParaRPr lang="hu-HU" dirty="0"/>
-          </a:p>
-          <a:p>
-            <a:r>
-              <a:rPr lang="en-GB" dirty="0"/>
-              <a:t>Sales in Berlin </a:t>
-            </a:r>
-            <a:r>
-              <a:rPr lang="hu-HU" dirty="0"/>
-              <a:t>capital city</a:t>
-            </a:r>
-            <a:r>
-              <a:rPr lang="en-GB" dirty="0"/>
-              <a:t>= CALCULATE([</a:t>
-            </a:r>
-            <a:r>
-              <a:rPr lang="en-GB" dirty="0" err="1"/>
-              <a:t>SalesAmount</a:t>
-            </a:r>
-            <a:r>
-              <a:rPr lang="en-GB" dirty="0"/>
-              <a:t>];Geography[Region]="</a:t>
-            </a:r>
-            <a:r>
-              <a:rPr lang="en-GB" dirty="0" err="1"/>
-              <a:t>Germany";Geography</a:t>
-            </a:r>
-            <a:r>
-              <a:rPr lang="en-GB" dirty="0"/>
-              <a:t>[</a:t>
-            </a:r>
-            <a:r>
-              <a:rPr lang="en-GB" dirty="0" err="1"/>
-              <a:t>StateProvince</a:t>
-            </a:r>
-            <a:r>
-              <a:rPr lang="en-GB" dirty="0"/>
-              <a:t>]="Hamburg";</a:t>
-            </a:r>
-            <a:br>
-              <a:rPr lang="hu-HU" dirty="0"/>
-            </a:br>
-            <a:r>
-              <a:rPr lang="en-GB" dirty="0"/>
-              <a:t>Geography[City]="Berlin")</a:t>
-            </a:r>
-            <a:endParaRPr lang="hu-HU" dirty="0"/>
-          </a:p>
-          <a:p>
-            <a:endParaRPr lang="hu-HU" dirty="0"/>
-          </a:p>
-          <a:p>
-            <a:r>
-              <a:rPr lang="en-GB" dirty="0"/>
-              <a:t>Sales of Bikes and Accessories =</a:t>
-            </a:r>
-            <a:br>
-              <a:rPr lang="hu-HU" dirty="0"/>
-            </a:br>
-            <a:r>
-              <a:rPr lang="en-GB" dirty="0"/>
-              <a:t>CALCULATE([</a:t>
-            </a:r>
-            <a:r>
-              <a:rPr lang="en-GB" dirty="0" err="1"/>
-              <a:t>SalesAmount</a:t>
-            </a:r>
-            <a:r>
-              <a:rPr lang="en-GB" dirty="0"/>
-              <a:t>];'Product'[</a:t>
-            </a:r>
-            <a:r>
-              <a:rPr lang="en-GB" dirty="0" err="1"/>
-              <a:t>ProductCategory</a:t>
-            </a:r>
-            <a:r>
-              <a:rPr lang="en-GB" dirty="0"/>
-              <a:t>]="Bikes" || 'Product'[</a:t>
-            </a:r>
-            <a:r>
-              <a:rPr lang="en-GB" dirty="0" err="1"/>
-              <a:t>ProductCategory</a:t>
-            </a:r>
-            <a:r>
-              <a:rPr lang="en-GB" dirty="0"/>
-              <a:t>]="Accessories" )</a:t>
-            </a:r>
-            <a:endParaRPr lang="hu-HU" dirty="0"/>
-          </a:p>
-          <a:p>
-            <a:endParaRPr lang="hu-HU" dirty="0"/>
-          </a:p>
-          <a:p>
-            <a:r>
-              <a:rPr lang="en-GB" dirty="0"/>
-              <a:t>Sales under the Queen =</a:t>
-            </a:r>
-            <a:br>
-              <a:rPr lang="hu-HU" dirty="0"/>
-            </a:br>
-            <a:r>
-              <a:rPr lang="en-GB" dirty="0"/>
-              <a:t>CALCULATE([</a:t>
-            </a:r>
-            <a:r>
-              <a:rPr lang="en-GB" dirty="0" err="1"/>
-              <a:t>SalesAmount</a:t>
-            </a:r>
-            <a:r>
-              <a:rPr lang="en-GB" dirty="0"/>
-              <a:t>];Geography[Region]="Canada" || Geography[Region]="Australia" || Geography[Region]="United Kingdom" )</a:t>
-            </a:r>
-          </a:p>
-        </p:txBody>
-      </p:sp>
-    </p:spTree>
-    <p:extLst>
-      <p:ext uri="{BB962C8B-B14F-4D97-AF65-F5344CB8AC3E}">
-        <p14:creationId xmlns:p14="http://schemas.microsoft.com/office/powerpoint/2010/main" val="952577509"/>
-      </p:ext>
-    </p:extLst>
-  </p:cSld>
-  <p:clrMapOvr>
-    <a:masterClrMapping/>
-  </p:clrMapOvr>
-</p:sld>
-</file>
-
-<file path=ppt/slides/slide21.xml><?xml version="1.0" encoding="utf-8"?>
-<p:sld xmlns:a="http://schemas.openxmlformats.org/drawingml/2006/main" xmlns:r="http://schemas.openxmlformats.org/officeDocument/2006/relationships" xmlns:p="http://schemas.openxmlformats.org/presentationml/2006/main">
-  <p:cSld>
-    <p:spTree>
-      <p:nvGrpSpPr>
-        <p:cNvPr id="1" name=""/>
-        <p:cNvGrpSpPr/>
-        <p:nvPr/>
-      </p:nvGrpSpPr>
-      <p:grpSpPr>
-        <a:xfrm>
-          <a:off x="0" y="0"/>
-          <a:ext cx="0" cy="0"/>
-          <a:chOff x="0" y="0"/>
-          <a:chExt cx="0" cy="0"/>
-        </a:xfrm>
-      </p:grpSpPr>
-      <p:sp>
-        <p:nvSpPr>
           <p:cNvPr id="2" name="Title 1">
             <a:extLst>
               <a:ext uri="{FF2B5EF4-FFF2-40B4-BE49-F238E27FC236}">
@@ -34602,7 +34288,7 @@
           <a:p>
             <a:fld id="{8C7D807A-D3EC-4DEA-86E2-120E4093F1A6}" type="slidenum">
               <a:rPr lang="en-US" smtClean="0"/>
-              <a:t>21</a:t>
+              <a:t>20</a:t>
             </a:fld>
             <a:endParaRPr lang="en-US"/>
           </a:p>
@@ -34713,7 +34399,7 @@
 </p:sld>
 </file>
 
-<file path=ppt/slides/slide22.xml><?xml version="1.0" encoding="utf-8"?>
+<file path=ppt/slides/slide21.xml><?xml version="1.0" encoding="utf-8"?>
 <p:sld xmlns:a="http://schemas.openxmlformats.org/drawingml/2006/main" xmlns:r="http://schemas.openxmlformats.org/officeDocument/2006/relationships" xmlns:p="http://schemas.openxmlformats.org/presentationml/2006/main">
   <p:cSld>
     <p:spTree>
@@ -35107,7 +34793,7 @@
 </p:sld>
 </file>
 
-<file path=ppt/slides/slide23.xml><?xml version="1.0" encoding="utf-8"?>
+<file path=ppt/slides/slide22.xml><?xml version="1.0" encoding="utf-8"?>
 <p:sld xmlns:a="http://schemas.openxmlformats.org/drawingml/2006/main" xmlns:r="http://schemas.openxmlformats.org/officeDocument/2006/relationships" xmlns:p="http://schemas.openxmlformats.org/presentationml/2006/main">
   <p:cSld>
     <p:spTree>
@@ -35252,7 +34938,7 @@
           <a:p>
             <a:fld id="{8C7D807A-D3EC-4DEA-86E2-120E4093F1A6}" type="slidenum">
               <a:rPr lang="en-US" smtClean="0"/>
-              <a:t>23</a:t>
+              <a:t>22</a:t>
             </a:fld>
             <a:endParaRPr lang="en-US"/>
           </a:p>
@@ -35271,7 +34957,7 @@
 </p:sld>
 </file>
 
-<file path=ppt/slides/slide24.xml><?xml version="1.0" encoding="utf-8"?>
+<file path=ppt/slides/slide23.xml><?xml version="1.0" encoding="utf-8"?>
 <p:sld xmlns:a="http://schemas.openxmlformats.org/drawingml/2006/main" xmlns:r="http://schemas.openxmlformats.org/officeDocument/2006/relationships" xmlns:p="http://schemas.openxmlformats.org/presentationml/2006/main">
   <p:cSld>
     <p:spTree>
@@ -35355,7 +35041,7 @@
           <a:p>
             <a:fld id="{8C7D807A-D3EC-4DEA-86E2-120E4093F1A6}" type="slidenum">
               <a:rPr lang="en-US" smtClean="0"/>
-              <a:t>24</a:t>
+              <a:t>23</a:t>
             </a:fld>
             <a:endParaRPr lang="en-US"/>
           </a:p>

--- a/Budapest py 20181108.pptx
+++ b/Budapest py 20181108.pptx
@@ -18409,7 +18409,7 @@
           <a:p>
             <a:fld id="{09E03A6A-FB29-48A7-B897-A3A88FF866C6}" type="datetimeFigureOut">
               <a:rPr lang="en-GB" smtClean="0"/>
-              <a:t>09/11/2018</a:t>
+              <a:t>10/11/2018</a:t>
             </a:fld>
             <a:endParaRPr lang="en-GB"/>
           </a:p>
@@ -18575,7 +18575,7 @@
           <a:p>
             <a:fld id="{A181B7CF-F30F-498F-9B2B-0A93E93E5BB6}" type="datetimeFigureOut">
               <a:rPr lang="en-GB" smtClean="0"/>
-              <a:t>09/11/2018</a:t>
+              <a:t>10/11/2018</a:t>
             </a:fld>
             <a:endParaRPr lang="en-GB"/>
           </a:p>
@@ -20134,6 +20134,24 @@
             <a:endParaRPr lang="en-US" dirty="0"/>
           </a:p>
           <a:p>
+            <a:r>
+              <a:rPr lang="en-US" dirty="0"/>
+              <a:t>Recommended reading:</a:t>
+            </a:r>
+          </a:p>
+          <a:p>
+            <a:r>
+              <a:rPr lang="en-US" dirty="0"/>
+              <a:t>https://</a:t>
+            </a:r>
+            <a:r>
+              <a:rPr lang="en-US" dirty="0" err="1"/>
+              <a:t>dataveld.com</a:t>
+            </a:r>
+            <a:r>
+              <a:rPr lang="en-US"/>
+              <a:t>/2018/11/10/5-performance-tips-for-r-and-python-scripts-in-power-bi/</a:t>
+            </a:r>
             <a:endParaRPr lang="en-US" dirty="0"/>
           </a:p>
           <a:p>
@@ -21236,7 +21254,7 @@
           <a:p>
             <a:fld id="{91AA607C-2AFE-41A9-9E5A-3EC88E00BF0D}" type="datetime1">
               <a:rPr lang="en-US" smtClean="0"/>
-              <a:t>11/9/2018</a:t>
+              <a:t>11/10/2018</a:t>
             </a:fld>
             <a:endParaRPr lang="en-US"/>
           </a:p>
@@ -21404,7 +21422,7 @@
           <a:p>
             <a:fld id="{BA1D2BDD-9EB6-43DC-8E32-089DAA66E986}" type="datetime1">
               <a:rPr lang="en-US" smtClean="0"/>
-              <a:t>11/9/2018</a:t>
+              <a:t>11/10/2018</a:t>
             </a:fld>
             <a:endParaRPr lang="en-US"/>
           </a:p>
@@ -21582,7 +21600,7 @@
           <a:p>
             <a:fld id="{C371080E-46EE-450D-9B08-82DE3FD00E05}" type="datetime1">
               <a:rPr lang="en-US" smtClean="0"/>
-              <a:t>11/9/2018</a:t>
+              <a:t>11/10/2018</a:t>
             </a:fld>
             <a:endParaRPr lang="en-US"/>
           </a:p>
@@ -22365,7 +22383,7 @@
           <a:p>
             <a:fld id="{7E5D61AC-B902-4CDB-A247-41F28CA21424}" type="datetime1">
               <a:rPr lang="en-US" smtClean="0"/>
-              <a:t>11/9/2018</a:t>
+              <a:t>11/10/2018</a:t>
             </a:fld>
             <a:endParaRPr lang="en-US"/>
           </a:p>
@@ -22541,7 +22559,7 @@
           <a:p>
             <a:fld id="{AEED1CB5-4786-44CB-ABBC-E7C261B58B4E}" type="datetime1">
               <a:rPr lang="en-US" smtClean="0"/>
-              <a:t>11/9/2018</a:t>
+              <a:t>11/10/2018</a:t>
             </a:fld>
             <a:endParaRPr lang="en-US"/>
           </a:p>
@@ -22788,7 +22806,7 @@
           <a:p>
             <a:fld id="{8171062B-019B-4FE9-88EC-B783C8E46DB8}" type="datetime1">
               <a:rPr lang="en-US" smtClean="0"/>
-              <a:t>11/9/2018</a:t>
+              <a:t>11/10/2018</a:t>
             </a:fld>
             <a:endParaRPr lang="en-US"/>
           </a:p>
@@ -23020,7 +23038,7 @@
           <a:p>
             <a:fld id="{E562D091-1856-44C1-B67E-34BDCC8095E4}" type="datetime1">
               <a:rPr lang="en-US" smtClean="0"/>
-              <a:t>11/9/2018</a:t>
+              <a:t>11/10/2018</a:t>
             </a:fld>
             <a:endParaRPr lang="en-US"/>
           </a:p>
@@ -23399,7 +23417,7 @@
           <a:p>
             <a:fld id="{2E284476-0DAF-4D0D-B7D0-042B65DA2958}" type="datetime1">
               <a:rPr lang="en-US" smtClean="0"/>
-              <a:t>11/9/2018</a:t>
+              <a:t>11/10/2018</a:t>
             </a:fld>
             <a:endParaRPr lang="en-US"/>
           </a:p>
@@ -23527,7 +23545,7 @@
           <a:p>
             <a:fld id="{8F41BFBD-39FF-4D58-B644-E12D78FB44EE}" type="datetime1">
               <a:rPr lang="en-US" smtClean="0"/>
-              <a:t>11/9/2018</a:t>
+              <a:t>11/10/2018</a:t>
             </a:fld>
             <a:endParaRPr lang="en-US"/>
           </a:p>
@@ -23622,7 +23640,7 @@
           <a:p>
             <a:fld id="{9CE7C249-06C5-45F7-9C6C-596BBAB291E3}" type="datetime1">
               <a:rPr lang="en-US" smtClean="0"/>
-              <a:t>11/9/2018</a:t>
+              <a:t>11/10/2018</a:t>
             </a:fld>
             <a:endParaRPr lang="en-US"/>
           </a:p>
@@ -23877,7 +23895,7 @@
           <a:p>
             <a:fld id="{D2B7CB7D-FEC8-4BC3-87C0-565EEC73B77B}" type="datetime1">
               <a:rPr lang="en-US" smtClean="0"/>
-              <a:t>11/9/2018</a:t>
+              <a:t>11/10/2018</a:t>
             </a:fld>
             <a:endParaRPr lang="en-US"/>
           </a:p>
@@ -24050,7 +24068,7 @@
           <a:p>
             <a:fld id="{B41B6B32-2C57-4933-AD2C-E82650473046}" type="datetime1">
               <a:rPr lang="en-US" smtClean="0"/>
-              <a:t>11/9/2018</a:t>
+              <a:t>11/10/2018</a:t>
             </a:fld>
             <a:endParaRPr lang="en-US"/>
           </a:p>
@@ -24313,7 +24331,7 @@
           <a:p>
             <a:fld id="{B3FC7462-E629-4058-96DA-D744331AF37C}" type="datetime1">
               <a:rPr lang="en-US" smtClean="0"/>
-              <a:t>11/9/2018</a:t>
+              <a:t>11/10/2018</a:t>
             </a:fld>
             <a:endParaRPr lang="en-US"/>
           </a:p>
@@ -24564,7 +24582,7 @@
           <a:p>
             <a:fld id="{09DEC196-CBD8-490D-8A90-A29846E80DC5}" type="datetime1">
               <a:rPr lang="en-US" smtClean="0"/>
-              <a:t>11/9/2018</a:t>
+              <a:t>11/10/2018</a:t>
             </a:fld>
             <a:endParaRPr lang="en-US"/>
           </a:p>
@@ -24879,7 +24897,7 @@
           <a:p>
             <a:fld id="{09DEC196-CBD8-490D-8A90-A29846E80DC5}" type="datetime1">
               <a:rPr lang="en-US" smtClean="0"/>
-              <a:t>11/9/2018</a:t>
+              <a:t>11/10/2018</a:t>
             </a:fld>
             <a:endParaRPr lang="en-US"/>
           </a:p>
@@ -25221,7 +25239,7 @@
           <a:p>
             <a:fld id="{09DEC196-CBD8-490D-8A90-A29846E80DC5}" type="datetime1">
               <a:rPr lang="en-US" smtClean="0"/>
-              <a:t>11/9/2018</a:t>
+              <a:t>11/10/2018</a:t>
             </a:fld>
             <a:endParaRPr lang="en-US"/>
           </a:p>
@@ -25536,7 +25554,7 @@
           <a:p>
             <a:fld id="{09DEC196-CBD8-490D-8A90-A29846E80DC5}" type="datetime1">
               <a:rPr lang="en-US" smtClean="0"/>
-              <a:t>11/9/2018</a:t>
+              <a:t>11/10/2018</a:t>
             </a:fld>
             <a:endParaRPr lang="en-US"/>
           </a:p>
@@ -25930,7 +25948,7 @@
           <a:p>
             <a:fld id="{09DEC196-CBD8-490D-8A90-A29846E80DC5}" type="datetime1">
               <a:rPr lang="en-US" smtClean="0"/>
-              <a:t>11/9/2018</a:t>
+              <a:t>11/10/2018</a:t>
             </a:fld>
             <a:endParaRPr lang="en-US"/>
           </a:p>
@@ -26101,7 +26119,7 @@
           <a:p>
             <a:fld id="{B41BE9A2-272D-4DCF-9109-03DB9DC643B7}" type="datetime1">
               <a:rPr lang="en-US" smtClean="0"/>
-              <a:t>11/9/2018</a:t>
+              <a:t>11/10/2018</a:t>
             </a:fld>
             <a:endParaRPr lang="en-US"/>
           </a:p>
@@ -26281,7 +26299,7 @@
           <a:p>
             <a:fld id="{B3700D41-49DE-4FC2-BE5C-00F766B6A5B2}" type="datetime1">
               <a:rPr lang="en-US" smtClean="0"/>
-              <a:t>11/9/2018</a:t>
+              <a:t>11/10/2018</a:t>
             </a:fld>
             <a:endParaRPr lang="en-US"/>
           </a:p>
@@ -26526,7 +26544,7 @@
           <a:p>
             <a:fld id="{D3C7F36F-804E-40D3-BAFF-6840919DF2EF}" type="datetime1">
               <a:rPr lang="en-US" smtClean="0"/>
-              <a:t>11/9/2018</a:t>
+              <a:t>11/10/2018</a:t>
             </a:fld>
             <a:endParaRPr lang="en-US"/>
           </a:p>
@@ -26755,7 +26773,7 @@
           <a:p>
             <a:fld id="{53902FCF-7069-46C5-A777-195C93741EE8}" type="datetime1">
               <a:rPr lang="en-US" smtClean="0"/>
-              <a:t>11/9/2018</a:t>
+              <a:t>11/10/2018</a:t>
             </a:fld>
             <a:endParaRPr lang="en-US"/>
           </a:p>
@@ -27119,7 +27137,7 @@
           <a:p>
             <a:fld id="{E5C2BB7F-132D-4D6F-A09B-A7D293DD5860}" type="datetime1">
               <a:rPr lang="en-US" smtClean="0"/>
-              <a:t>11/9/2018</a:t>
+              <a:t>11/10/2018</a:t>
             </a:fld>
             <a:endParaRPr lang="en-US"/>
           </a:p>
@@ -27236,7 +27254,7 @@
           <a:p>
             <a:fld id="{F95B9D82-0A81-4F63-8625-844BA52536F3}" type="datetime1">
               <a:rPr lang="en-US" smtClean="0"/>
-              <a:t>11/9/2018</a:t>
+              <a:t>11/10/2018</a:t>
             </a:fld>
             <a:endParaRPr lang="en-US"/>
           </a:p>
@@ -27331,7 +27349,7 @@
           <a:p>
             <a:fld id="{92DBC190-81D3-4107-B036-2615A568B401}" type="datetime1">
               <a:rPr lang="en-US" smtClean="0"/>
-              <a:t>11/9/2018</a:t>
+              <a:t>11/10/2018</a:t>
             </a:fld>
             <a:endParaRPr lang="en-US"/>
           </a:p>
@@ -27606,7 +27624,7 @@
           <a:p>
             <a:fld id="{EDA9E0CD-7F9B-4ED4-A5FD-BFB0BDEC582A}" type="datetime1">
               <a:rPr lang="en-US" smtClean="0"/>
-              <a:t>11/9/2018</a:t>
+              <a:t>11/10/2018</a:t>
             </a:fld>
             <a:endParaRPr lang="en-US"/>
           </a:p>
@@ -27858,7 +27876,7 @@
           <a:p>
             <a:fld id="{57F000F1-4BA6-4D51-8F37-0A72C11E79FA}" type="datetime1">
               <a:rPr lang="en-US" smtClean="0"/>
-              <a:t>11/9/2018</a:t>
+              <a:t>11/10/2018</a:t>
             </a:fld>
             <a:endParaRPr lang="en-US"/>
           </a:p>
@@ -28069,7 +28087,7 @@
           <a:p>
             <a:fld id="{BEC3570C-6ADA-4FF3-B5F9-88B517AAB13E}" type="datetime1">
               <a:rPr lang="en-US" smtClean="0"/>
-              <a:t>11/9/2018</a:t>
+              <a:t>11/10/2018</a:t>
             </a:fld>
             <a:endParaRPr lang="en-US"/>
           </a:p>
@@ -29140,7 +29158,7 @@
           <a:p>
             <a:fld id="{BEC3570C-6ADA-4FF3-B5F9-88B517AAB13E}" type="datetime1">
               <a:rPr lang="en-US" smtClean="0"/>
-              <a:t>11/9/2018</a:t>
+              <a:t>11/10/2018</a:t>
             </a:fld>
             <a:endParaRPr lang="en-US"/>
           </a:p>
@@ -37947,6 +37965,14 @@
 </file>
 
 <file path=customXml/itemProps1.xml><?xml version="1.0" encoding="utf-8"?>
+<ds:datastoreItem xmlns:ds="http://schemas.openxmlformats.org/officeDocument/2006/customXml" ds:itemID="{AF7F25AA-A82D-4084-A43D-7FB0BFB4AF90}">
+  <ds:schemaRefs>
+    <ds:schemaRef ds:uri="http://schemas.microsoft.com/VisualStudio/2011/storyboarding/control"/>
+  </ds:schemaRefs>
+</ds:datastoreItem>
+</file>
+
+<file path=customXml/itemProps2.xml><?xml version="1.0" encoding="utf-8"?>
 <ds:datastoreItem xmlns:ds="http://schemas.openxmlformats.org/officeDocument/2006/customXml" ds:itemID="{0585F1EE-DB1E-4691-B02A-6A63928739BD}">
   <ds:schemaRefs>
     <ds:schemaRef ds:uri="http://schemas.microsoft.com/VisualStudio/2011/storyboarding/control"/>
@@ -37954,16 +37980,8 @@
 </ds:datastoreItem>
 </file>
 
-<file path=customXml/itemProps2.xml><?xml version="1.0" encoding="utf-8"?>
-<ds:datastoreItem xmlns:ds="http://schemas.openxmlformats.org/officeDocument/2006/customXml" ds:itemID="{AF7F25AA-A82D-4084-A43D-7FB0BFB4AF90}">
-  <ds:schemaRefs>
-    <ds:schemaRef ds:uri="http://schemas.microsoft.com/VisualStudio/2011/storyboarding/control"/>
-  </ds:schemaRefs>
-</ds:datastoreItem>
-</file>
-
 <file path=customXml/itemProps3.xml><?xml version="1.0" encoding="utf-8"?>
-<ds:datastoreItem xmlns:ds="http://schemas.openxmlformats.org/officeDocument/2006/customXml" ds:itemID="{DAD60445-FCBE-443B-AF24-7513F0A635D6}">
+<ds:datastoreItem xmlns:ds="http://schemas.openxmlformats.org/officeDocument/2006/customXml" ds:itemID="{E59BBDCF-4BF6-4059-8A47-BCB200D78E82}">
   <ds:schemaRefs>
     <ds:schemaRef ds:uri="http://schemas.microsoft.com/VisualStudio/2011/storyboarding/control"/>
   </ds:schemaRefs>
@@ -37971,7 +37989,7 @@
 </file>
 
 <file path=customXml/itemProps4.xml><?xml version="1.0" encoding="utf-8"?>
-<ds:datastoreItem xmlns:ds="http://schemas.openxmlformats.org/officeDocument/2006/customXml" ds:itemID="{E59BBDCF-4BF6-4059-8A47-BCB200D78E82}">
+<ds:datastoreItem xmlns:ds="http://schemas.openxmlformats.org/officeDocument/2006/customXml" ds:itemID="{DAD60445-FCBE-443B-AF24-7513F0A635D6}">
   <ds:schemaRefs>
     <ds:schemaRef ds:uri="http://schemas.microsoft.com/VisualStudio/2011/storyboarding/control"/>
   </ds:schemaRefs>
